--- a/demo-ppt/res/1.pptx
+++ b/demo-ppt/res/1.pptx
@@ -104,7 +104,1972 @@
       </a:defRPr>
     </a:lvl9pPr>
   </p:defaultTextStyle>
+  <p:extLst>
+    <p:ext uri="{EFAFB233-063F-42B5-8137-9DF3F51BA10A}">
+      <p15:sldGuideLst xmlns:p15="http://schemas.microsoft.com/office/powerpoint/2012/main"/>
+    </p:ext>
+  </p:extLst>
 </p:presentation>
+</file>
+
+<file path=ppt/charts/chart1.xml><?xml version="1.0" encoding="utf-8"?>
+<c:chartSpace xmlns:c="http://schemas.openxmlformats.org/drawingml/2006/chart" xmlns:a="http://schemas.openxmlformats.org/drawingml/2006/main" xmlns:r="http://schemas.openxmlformats.org/officeDocument/2006/relationships" xmlns:c16r2="http://schemas.microsoft.com/office/drawing/2015/06/chart">
+  <c:date1904 val="0"/>
+  <c:lang val="zh-CN"/>
+  <c:roundedCorners val="0"/>
+  <mc:AlternateContent xmlns:mc="http://schemas.openxmlformats.org/markup-compatibility/2006">
+    <mc:Choice xmlns:c14="http://schemas.microsoft.com/office/drawing/2007/8/2/chart" Requires="c14">
+      <c14:style val="103"/>
+    </mc:Choice>
+    <mc:Fallback>
+      <c:style val="3"/>
+    </mc:Fallback>
+  </mc:AlternateContent>
+  <c:chart>
+    <c:title>
+      <c:tx>
+        <c:rich>
+          <a:bodyPr rot="0" spcFirstLastPara="0" vertOverflow="ellipsis" vert="horz" wrap="square" anchor="ctr" anchorCtr="1"/>
+          <a:lstStyle/>
+          <a:p>
+            <a:pPr defTabSz="914400">
+              <a:defRPr lang="zh-CN" sz="1400" b="0" i="0" u="none" strike="noStrike" kern="1200" spc="0" baseline="0">
+                <a:solidFill>
+                  <a:schemeClr val="tx1">
+                    <a:lumMod val="65000"/>
+                    <a:lumOff val="35000"/>
+                  </a:schemeClr>
+                </a:solidFill>
+                <a:latin typeface="宋体" panose="02010600030101010101" pitchFamily="2" charset="-122"/>
+                <a:ea typeface="宋体" panose="02010600030101010101" pitchFamily="2" charset="-122"/>
+                <a:cs typeface="宋体" panose="02010600030101010101" pitchFamily="2" charset="-122"/>
+                <a:sym typeface="宋体" panose="02010600030101010101" pitchFamily="2" charset="-122"/>
+              </a:defRPr>
+            </a:pPr>
+            <a:r>
+              <a:rPr lang="zh-CN" altLang="en-US" sz="1600" b="1">
+                <a:latin typeface="微软雅黑" panose="020B0503020204020204" charset="-122"/>
+                <a:ea typeface="微软雅黑" panose="020B0503020204020204" charset="-122"/>
+                <a:cs typeface="宋体" panose="02010600030101010101" pitchFamily="2" charset="-122"/>
+                <a:sym typeface="宋体" panose="02010600030101010101" pitchFamily="2" charset="-122"/>
+              </a:rPr>
+              <a:t>年龄分布</a:t>
+            </a:r>
+          </a:p>
+        </c:rich>
+      </c:tx>
+      <c:overlay val="0"/>
+      <c:spPr>
+        <a:noFill/>
+        <a:ln>
+          <a:noFill/>
+        </a:ln>
+        <a:effectLst/>
+      </c:spPr>
+      <c:txPr>
+        <a:bodyPr rot="0" spcFirstLastPara="0" vertOverflow="ellipsis" vert="horz" wrap="square" anchor="ctr" anchorCtr="1"/>
+        <a:lstStyle/>
+        <a:p>
+          <a:pPr defTabSz="914400">
+            <a:defRPr lang="zh-CN" sz="1400" b="0" i="0" u="none" strike="noStrike" kern="1200" spc="0" baseline="0">
+              <a:solidFill>
+                <a:schemeClr val="tx1">
+                  <a:lumMod val="65000"/>
+                  <a:lumOff val="35000"/>
+                </a:schemeClr>
+              </a:solidFill>
+              <a:latin typeface="宋体" panose="02010600030101010101" pitchFamily="2" charset="-122"/>
+              <a:ea typeface="宋体" panose="02010600030101010101" pitchFamily="2" charset="-122"/>
+              <a:cs typeface="宋体" panose="02010600030101010101" pitchFamily="2" charset="-122"/>
+              <a:sym typeface="宋体" panose="02010600030101010101" pitchFamily="2" charset="-122"/>
+            </a:defRPr>
+          </a:pPr>
+          <a:endParaRPr lang="zh-CN"/>
+        </a:p>
+      </c:txPr>
+    </c:title>
+    <c:autoTitleDeleted val="0"/>
+    <c:plotArea>
+      <c:layout/>
+      <c:barChart>
+        <c:barDir val="bar"/>
+        <c:grouping val="clustered"/>
+        <c:varyColors val="0"/>
+        <c:ser>
+          <c:idx val="0"/>
+          <c:order val="0"/>
+          <c:tx>
+            <c:strRef>
+              <c:f>Sheet1!$B$1</c:f>
+              <c:strCache>
+                <c:ptCount val="1"/>
+                <c:pt idx="0">
+                  <c:v>人数</c:v>
+                </c:pt>
+              </c:strCache>
+            </c:strRef>
+          </c:tx>
+          <c:spPr>
+            <a:solidFill>
+              <a:schemeClr val="accent1">
+                <a:shade val="76000"/>
+              </a:schemeClr>
+            </a:solidFill>
+            <a:ln>
+              <a:noFill/>
+            </a:ln>
+            <a:effectLst/>
+          </c:spPr>
+          <c:invertIfNegative val="0"/>
+          <c:dLbls>
+            <c:spPr>
+              <a:noFill/>
+              <a:ln>
+                <a:noFill/>
+              </a:ln>
+              <a:effectLst/>
+            </c:spPr>
+            <c:txPr>
+              <a:bodyPr rot="0" spcFirstLastPara="0" vertOverflow="ellipsis" vert="horz" wrap="square" lIns="38100" tIns="19050" rIns="38100" bIns="19050" anchor="ctr" anchorCtr="1"/>
+              <a:lstStyle/>
+              <a:p>
+                <a:pPr>
+                  <a:defRPr lang="zh-CN" sz="900" b="0" i="0" u="none" strike="noStrike" kern="1200" baseline="0">
+                    <a:solidFill>
+                      <a:schemeClr val="tx1">
+                        <a:lumMod val="75000"/>
+                        <a:lumOff val="25000"/>
+                      </a:schemeClr>
+                    </a:solidFill>
+                    <a:latin typeface="+mn-lt"/>
+                    <a:ea typeface="+mn-ea"/>
+                    <a:cs typeface="+mn-cs"/>
+                  </a:defRPr>
+                </a:pPr>
+                <a:endParaRPr lang="zh-CN"/>
+              </a:p>
+            </c:txPr>
+            <c:dLblPos val="outEnd"/>
+            <c:showLegendKey val="0"/>
+            <c:showVal val="1"/>
+            <c:showCatName val="0"/>
+            <c:showSerName val="0"/>
+            <c:showPercent val="0"/>
+            <c:showBubbleSize val="0"/>
+            <c:showLeaderLines val="0"/>
+            <c:extLst>
+              <c:ext xmlns:c15="http://schemas.microsoft.com/office/drawing/2012/chart" uri="{CE6537A1-D6FC-4f65-9D91-7224C49458BB}">
+                <c15:showLeaderLines val="1"/>
+                <c15:leaderLines>
+                  <c:spPr>
+                    <a:ln w="9525" cap="flat" cmpd="sng" algn="ctr">
+                      <a:solidFill>
+                        <a:schemeClr val="tx1">
+                          <a:lumMod val="35000"/>
+                          <a:lumOff val="65000"/>
+                        </a:schemeClr>
+                      </a:solidFill>
+                      <a:round/>
+                    </a:ln>
+                    <a:effectLst/>
+                  </c:spPr>
+                </c15:leaderLines>
+              </c:ext>
+            </c:extLst>
+          </c:dLbls>
+          <c:cat>
+            <c:strRef>
+              <c:f>Sheet1!$A$2:$A$4</c:f>
+              <c:strCache>
+                <c:ptCount val="3"/>
+                <c:pt idx="0">
+                  <c:v>3岁</c:v>
+                </c:pt>
+                <c:pt idx="1">
+                  <c:v>3岁半</c:v>
+                </c:pt>
+                <c:pt idx="2">
+                  <c:v>3岁半以上</c:v>
+                </c:pt>
+              </c:strCache>
+            </c:strRef>
+          </c:cat>
+          <c:val>
+            <c:numRef>
+              <c:f>Sheet1!$B$2:$B$4</c:f>
+              <c:numCache>
+                <c:formatCode>General</c:formatCode>
+                <c:ptCount val="3"/>
+                <c:pt idx="0">
+                  <c:v>12</c:v>
+                </c:pt>
+                <c:pt idx="1">
+                  <c:v>16</c:v>
+                </c:pt>
+                <c:pt idx="2">
+                  <c:v>3</c:v>
+                </c:pt>
+              </c:numCache>
+            </c:numRef>
+          </c:val>
+          <c:extLst>
+            <c:ext xmlns:c16="http://schemas.microsoft.com/office/drawing/2014/chart" uri="{C3380CC4-5D6E-409C-BE32-E72D297353CC}">
+              <c16:uniqueId val="{00000000-AB71-4CCF-9C49-653600AA79D0}"/>
+            </c:ext>
+          </c:extLst>
+        </c:ser>
+        <c:ser>
+          <c:idx val="1"/>
+          <c:order val="1"/>
+          <c:tx>
+            <c:strRef>
+              <c:f>Sheet1!$C$1</c:f>
+              <c:strCache>
+                <c:ptCount val="1"/>
+                <c:pt idx="0">
+                  <c:v>人数2</c:v>
+                </c:pt>
+              </c:strCache>
+            </c:strRef>
+          </c:tx>
+          <c:spPr>
+            <a:solidFill>
+              <a:schemeClr val="accent1">
+                <a:tint val="77000"/>
+              </a:schemeClr>
+            </a:solidFill>
+            <a:ln>
+              <a:noFill/>
+            </a:ln>
+            <a:effectLst/>
+          </c:spPr>
+          <c:invertIfNegative val="0"/>
+          <c:dLbls>
+            <c:spPr>
+              <a:noFill/>
+              <a:ln>
+                <a:noFill/>
+              </a:ln>
+              <a:effectLst/>
+            </c:spPr>
+            <c:txPr>
+              <a:bodyPr rot="0" spcFirstLastPara="1" vertOverflow="ellipsis" vert="horz" wrap="square" lIns="38100" tIns="19050" rIns="38100" bIns="19050" anchor="ctr" anchorCtr="1">
+                <a:spAutoFit/>
+              </a:bodyPr>
+              <a:lstStyle/>
+              <a:p>
+                <a:pPr>
+                  <a:defRPr lang="zh-CN" sz="900" b="0" i="0" u="none" strike="noStrike" kern="1200" baseline="0">
+                    <a:solidFill>
+                      <a:schemeClr val="tx1">
+                        <a:lumMod val="75000"/>
+                        <a:lumOff val="25000"/>
+                      </a:schemeClr>
+                    </a:solidFill>
+                    <a:latin typeface="+mn-lt"/>
+                    <a:ea typeface="+mn-ea"/>
+                    <a:cs typeface="+mn-cs"/>
+                  </a:defRPr>
+                </a:pPr>
+                <a:endParaRPr lang="zh-CN"/>
+              </a:p>
+            </c:txPr>
+            <c:showLegendKey val="0"/>
+            <c:showVal val="1"/>
+            <c:showCatName val="0"/>
+            <c:showSerName val="0"/>
+            <c:showPercent val="0"/>
+            <c:showBubbleSize val="0"/>
+            <c:showLeaderLines val="0"/>
+            <c:extLst>
+              <c:ext xmlns:c15="http://schemas.microsoft.com/office/drawing/2012/chart" uri="{CE6537A1-D6FC-4f65-9D91-7224C49458BB}">
+                <c15:showLeaderLines val="1"/>
+                <c15:leaderLines>
+                  <c:spPr>
+                    <a:ln w="9525" cap="flat" cmpd="sng" algn="ctr">
+                      <a:solidFill>
+                        <a:schemeClr val="tx1">
+                          <a:lumMod val="35000"/>
+                          <a:lumOff val="65000"/>
+                        </a:schemeClr>
+                      </a:solidFill>
+                      <a:round/>
+                    </a:ln>
+                    <a:effectLst/>
+                  </c:spPr>
+                </c15:leaderLines>
+              </c:ext>
+            </c:extLst>
+          </c:dLbls>
+          <c:cat>
+            <c:strRef>
+              <c:f>Sheet1!$A$2:$A$4</c:f>
+              <c:strCache>
+                <c:ptCount val="3"/>
+                <c:pt idx="0">
+                  <c:v>3岁</c:v>
+                </c:pt>
+                <c:pt idx="1">
+                  <c:v>3岁半</c:v>
+                </c:pt>
+                <c:pt idx="2">
+                  <c:v>3岁半以上</c:v>
+                </c:pt>
+              </c:strCache>
+            </c:strRef>
+          </c:cat>
+          <c:val>
+            <c:numRef>
+              <c:f>Sheet1!$C$2:$C$4</c:f>
+              <c:numCache>
+                <c:formatCode>General</c:formatCode>
+                <c:ptCount val="3"/>
+                <c:pt idx="0">
+                  <c:v>33</c:v>
+                </c:pt>
+                <c:pt idx="1">
+                  <c:v>14</c:v>
+                </c:pt>
+                <c:pt idx="2">
+                  <c:v>15</c:v>
+                </c:pt>
+              </c:numCache>
+            </c:numRef>
+          </c:val>
+          <c:extLst>
+            <c:ext xmlns:c16="http://schemas.microsoft.com/office/drawing/2014/chart" uri="{C3380CC4-5D6E-409C-BE32-E72D297353CC}">
+              <c16:uniqueId val="{00000000-A588-449B-BEF3-92DAFE46C30A}"/>
+            </c:ext>
+          </c:extLst>
+        </c:ser>
+        <c:dLbls>
+          <c:showLegendKey val="0"/>
+          <c:showVal val="1"/>
+          <c:showCatName val="0"/>
+          <c:showSerName val="0"/>
+          <c:showPercent val="0"/>
+          <c:showBubbleSize val="0"/>
+        </c:dLbls>
+        <c:gapWidth val="182"/>
+        <c:axId val="445959169"/>
+        <c:axId val="961054466"/>
+      </c:barChart>
+      <c:catAx>
+        <c:axId val="445959169"/>
+        <c:scaling>
+          <c:orientation val="minMax"/>
+        </c:scaling>
+        <c:delete val="0"/>
+        <c:axPos val="l"/>
+        <c:numFmt formatCode="General" sourceLinked="0"/>
+        <c:majorTickMark val="none"/>
+        <c:minorTickMark val="none"/>
+        <c:tickLblPos val="nextTo"/>
+        <c:spPr>
+          <a:noFill/>
+          <a:ln w="9525" cap="flat" cmpd="sng" algn="ctr">
+            <a:solidFill>
+              <a:schemeClr val="tx1">
+                <a:lumMod val="15000"/>
+                <a:lumOff val="85000"/>
+              </a:schemeClr>
+            </a:solidFill>
+            <a:round/>
+          </a:ln>
+          <a:effectLst/>
+        </c:spPr>
+        <c:txPr>
+          <a:bodyPr rot="-60000000" spcFirstLastPara="0" vertOverflow="ellipsis" vert="horz" wrap="square" anchor="ctr" anchorCtr="1"/>
+          <a:lstStyle/>
+          <a:p>
+            <a:pPr>
+              <a:defRPr lang="zh-CN" sz="900" b="0" i="0" u="none" strike="noStrike" kern="1200" baseline="0">
+                <a:solidFill>
+                  <a:schemeClr val="tx1">
+                    <a:lumMod val="65000"/>
+                    <a:lumOff val="35000"/>
+                  </a:schemeClr>
+                </a:solidFill>
+                <a:latin typeface="+mn-lt"/>
+                <a:ea typeface="+mn-ea"/>
+                <a:cs typeface="+mn-cs"/>
+              </a:defRPr>
+            </a:pPr>
+            <a:endParaRPr lang="zh-CN"/>
+          </a:p>
+        </c:txPr>
+        <c:crossAx val="961054466"/>
+        <c:crosses val="autoZero"/>
+        <c:auto val="1"/>
+        <c:lblAlgn val="ctr"/>
+        <c:lblOffset val="100"/>
+        <c:noMultiLvlLbl val="0"/>
+      </c:catAx>
+      <c:valAx>
+        <c:axId val="961054466"/>
+        <c:scaling>
+          <c:orientation val="minMax"/>
+        </c:scaling>
+        <c:delete val="0"/>
+        <c:axPos val="b"/>
+        <c:majorGridlines>
+          <c:spPr>
+            <a:ln w="9525" cap="flat" cmpd="sng" algn="ctr">
+              <a:solidFill>
+                <a:schemeClr val="tx1">
+                  <a:lumMod val="15000"/>
+                  <a:lumOff val="85000"/>
+                </a:schemeClr>
+              </a:solidFill>
+              <a:round/>
+            </a:ln>
+            <a:effectLst/>
+          </c:spPr>
+        </c:majorGridlines>
+        <c:numFmt formatCode="General" sourceLinked="1"/>
+        <c:majorTickMark val="none"/>
+        <c:minorTickMark val="none"/>
+        <c:tickLblPos val="nextTo"/>
+        <c:spPr>
+          <a:noFill/>
+          <a:ln>
+            <a:noFill/>
+          </a:ln>
+          <a:effectLst/>
+        </c:spPr>
+        <c:txPr>
+          <a:bodyPr rot="-60000000" spcFirstLastPara="0" vertOverflow="ellipsis" vert="horz" wrap="square" anchor="ctr" anchorCtr="1"/>
+          <a:lstStyle/>
+          <a:p>
+            <a:pPr>
+              <a:defRPr lang="zh-CN" sz="900" b="0" i="0" u="none" strike="noStrike" kern="1200" baseline="0">
+                <a:solidFill>
+                  <a:schemeClr val="tx1">
+                    <a:lumMod val="65000"/>
+                    <a:lumOff val="35000"/>
+                  </a:schemeClr>
+                </a:solidFill>
+                <a:latin typeface="+mn-lt"/>
+                <a:ea typeface="+mn-ea"/>
+                <a:cs typeface="+mn-cs"/>
+              </a:defRPr>
+            </a:pPr>
+            <a:endParaRPr lang="zh-CN"/>
+          </a:p>
+        </c:txPr>
+        <c:crossAx val="445959169"/>
+        <c:crosses val="autoZero"/>
+        <c:crossBetween val="between"/>
+      </c:valAx>
+      <c:spPr>
+        <a:noFill/>
+        <a:ln>
+          <a:noFill/>
+        </a:ln>
+        <a:effectLst/>
+      </c:spPr>
+    </c:plotArea>
+    <c:legend>
+      <c:legendPos val="b"/>
+      <c:legendEntry>
+        <c:idx val="1"/>
+        <c:txPr>
+          <a:bodyPr rot="0" spcFirstLastPara="0" vertOverflow="ellipsis" vert="horz" wrap="square" anchor="ctr" anchorCtr="1"/>
+          <a:lstStyle/>
+          <a:p>
+            <a:pPr>
+              <a:defRPr lang="zh-CN" sz="900" b="0" i="0" u="none" strike="noStrike" kern="1200" baseline="0">
+                <a:solidFill>
+                  <a:schemeClr val="tx1">
+                    <a:lumMod val="65000"/>
+                    <a:lumOff val="35000"/>
+                  </a:schemeClr>
+                </a:solidFill>
+                <a:latin typeface="宋体" panose="02010600030101010101" pitchFamily="2" charset="-122"/>
+                <a:ea typeface="宋体" panose="02010600030101010101" pitchFamily="2" charset="-122"/>
+                <a:cs typeface="宋体" panose="02010600030101010101" pitchFamily="2" charset="-122"/>
+                <a:sym typeface="宋体" panose="02010600030101010101" pitchFamily="2" charset="-122"/>
+              </a:defRPr>
+            </a:pPr>
+            <a:endParaRPr lang="zh-CN"/>
+          </a:p>
+        </c:txPr>
+      </c:legendEntry>
+      <c:overlay val="0"/>
+      <c:spPr>
+        <a:noFill/>
+        <a:ln>
+          <a:noFill/>
+        </a:ln>
+        <a:effectLst/>
+      </c:spPr>
+      <c:txPr>
+        <a:bodyPr rot="0" spcFirstLastPara="0" vertOverflow="ellipsis" vert="horz" wrap="square" anchor="ctr" anchorCtr="1"/>
+        <a:lstStyle/>
+        <a:p>
+          <a:pPr>
+            <a:defRPr lang="zh-CN" sz="900" b="0" i="0" u="none" strike="noStrike" kern="1200" baseline="0">
+              <a:solidFill>
+                <a:schemeClr val="tx1">
+                  <a:lumMod val="65000"/>
+                  <a:lumOff val="35000"/>
+                </a:schemeClr>
+              </a:solidFill>
+              <a:latin typeface="宋体" panose="02010600030101010101" pitchFamily="2" charset="-122"/>
+              <a:ea typeface="宋体" panose="02010600030101010101" pitchFamily="2" charset="-122"/>
+              <a:cs typeface="宋体" panose="02010600030101010101" pitchFamily="2" charset="-122"/>
+              <a:sym typeface="宋体" panose="02010600030101010101" pitchFamily="2" charset="-122"/>
+            </a:defRPr>
+          </a:pPr>
+          <a:endParaRPr lang="zh-CN"/>
+        </a:p>
+      </c:txPr>
+    </c:legend>
+    <c:plotVisOnly val="1"/>
+    <c:dispBlanksAs val="gap"/>
+    <c:showDLblsOverMax val="0"/>
+  </c:chart>
+  <c:spPr>
+    <a:noFill/>
+    <a:ln>
+      <a:noFill/>
+    </a:ln>
+    <a:effectLst/>
+  </c:spPr>
+  <c:txPr>
+    <a:bodyPr/>
+    <a:lstStyle/>
+    <a:p>
+      <a:pPr>
+        <a:defRPr lang="zh-CN"/>
+      </a:pPr>
+      <a:endParaRPr lang="zh-CN"/>
+    </a:p>
+  </c:txPr>
+  <c:externalData r:id="rId3">
+    <c:autoUpdate val="0"/>
+  </c:externalData>
+</c:chartSpace>
+</file>
+
+<file path=ppt/charts/chart2.xml><?xml version="1.0" encoding="utf-8"?>
+<c:chartSpace xmlns:c="http://schemas.openxmlformats.org/drawingml/2006/chart" xmlns:a="http://schemas.openxmlformats.org/drawingml/2006/main" xmlns:r="http://schemas.openxmlformats.org/officeDocument/2006/relationships" xmlns:c16r2="http://schemas.microsoft.com/office/drawing/2015/06/chart">
+  <c:date1904 val="0"/>
+  <c:lang val="zh-CN"/>
+  <c:roundedCorners val="0"/>
+  <mc:AlternateContent xmlns:mc="http://schemas.openxmlformats.org/markup-compatibility/2006">
+    <mc:Choice xmlns:c14="http://schemas.microsoft.com/office/drawing/2007/8/2/chart" Requires="c14">
+      <c14:style val="102"/>
+    </mc:Choice>
+    <mc:Fallback>
+      <c:style val="2"/>
+    </mc:Fallback>
+  </mc:AlternateContent>
+  <c:chart>
+    <c:title>
+      <c:tx>
+        <c:rich>
+          <a:bodyPr rot="0" spcFirstLastPara="0" vertOverflow="ellipsis" vert="horz" wrap="square" anchor="ctr" anchorCtr="1"/>
+          <a:lstStyle/>
+          <a:p>
+            <a:pPr defTabSz="914400">
+              <a:defRPr lang="zh-CN" sz="1400" b="0" i="0" u="none" strike="noStrike" kern="1200" spc="0" baseline="0">
+                <a:solidFill>
+                  <a:schemeClr val="tx1">
+                    <a:lumMod val="65000"/>
+                    <a:lumOff val="35000"/>
+                  </a:schemeClr>
+                </a:solidFill>
+                <a:latin typeface="宋体" panose="02010600030101010101" pitchFamily="2" charset="-122"/>
+                <a:ea typeface="宋体" panose="02010600030101010101" pitchFamily="2" charset="-122"/>
+                <a:cs typeface="宋体" panose="02010600030101010101" pitchFamily="2" charset="-122"/>
+                <a:sym typeface="宋体" panose="02010600030101010101" pitchFamily="2" charset="-122"/>
+              </a:defRPr>
+            </a:pPr>
+            <a:r>
+              <a:rPr lang="zh-CN" altLang="en-US" sz="1600" b="1">
+                <a:latin typeface="微软雅黑" panose="020B0503020204020204" charset="-122"/>
+                <a:ea typeface="微软雅黑" panose="020B0503020204020204" charset="-122"/>
+                <a:cs typeface="宋体" panose="02010600030101010101" pitchFamily="2" charset="-122"/>
+                <a:sym typeface="宋体" panose="02010600030101010101" pitchFamily="2" charset="-122"/>
+              </a:rPr>
+              <a:t>男女比例人数</a:t>
+            </a:r>
+          </a:p>
+        </c:rich>
+      </c:tx>
+      <c:overlay val="0"/>
+      <c:spPr>
+        <a:noFill/>
+        <a:ln>
+          <a:noFill/>
+        </a:ln>
+        <a:effectLst/>
+      </c:spPr>
+      <c:txPr>
+        <a:bodyPr rot="0" spcFirstLastPara="0" vertOverflow="ellipsis" vert="horz" wrap="square" anchor="ctr" anchorCtr="1"/>
+        <a:lstStyle/>
+        <a:p>
+          <a:pPr defTabSz="914400">
+            <a:defRPr lang="zh-CN" sz="1400" b="0" i="0" u="none" strike="noStrike" kern="1200" spc="0" baseline="0">
+              <a:solidFill>
+                <a:schemeClr val="tx1">
+                  <a:lumMod val="65000"/>
+                  <a:lumOff val="35000"/>
+                </a:schemeClr>
+              </a:solidFill>
+              <a:latin typeface="宋体" panose="02010600030101010101" pitchFamily="2" charset="-122"/>
+              <a:ea typeface="宋体" panose="02010600030101010101" pitchFamily="2" charset="-122"/>
+              <a:cs typeface="宋体" panose="02010600030101010101" pitchFamily="2" charset="-122"/>
+              <a:sym typeface="宋体" panose="02010600030101010101" pitchFamily="2" charset="-122"/>
+            </a:defRPr>
+          </a:pPr>
+          <a:endParaRPr lang="zh-CN"/>
+        </a:p>
+      </c:txPr>
+    </c:title>
+    <c:autoTitleDeleted val="0"/>
+    <c:plotArea>
+      <c:layout/>
+      <c:pieChart>
+        <c:varyColors val="1"/>
+        <c:ser>
+          <c:idx val="0"/>
+          <c:order val="0"/>
+          <c:tx>
+            <c:strRef>
+              <c:f>Sheet1!$B$1</c:f>
+              <c:strCache>
+                <c:ptCount val="1"/>
+                <c:pt idx="0">
+                  <c:v>人数</c:v>
+                </c:pt>
+              </c:strCache>
+            </c:strRef>
+          </c:tx>
+          <c:dPt>
+            <c:idx val="0"/>
+            <c:bubble3D val="0"/>
+            <c:spPr>
+              <a:solidFill>
+                <a:schemeClr val="accent1"/>
+              </a:solidFill>
+              <a:ln w="19050">
+                <a:solidFill>
+                  <a:schemeClr val="lt1"/>
+                </a:solidFill>
+              </a:ln>
+              <a:effectLst/>
+            </c:spPr>
+            <c:extLst>
+              <c:ext xmlns:c16="http://schemas.microsoft.com/office/drawing/2014/chart" uri="{C3380CC4-5D6E-409C-BE32-E72D297353CC}">
+                <c16:uniqueId val="{00000001-05B6-427A-A56F-CFC63D3BB446}"/>
+              </c:ext>
+            </c:extLst>
+          </c:dPt>
+          <c:dPt>
+            <c:idx val="1"/>
+            <c:bubble3D val="0"/>
+            <c:spPr>
+              <a:solidFill>
+                <a:schemeClr val="accent2"/>
+              </a:solidFill>
+              <a:ln w="19050">
+                <a:solidFill>
+                  <a:schemeClr val="lt1"/>
+                </a:solidFill>
+              </a:ln>
+              <a:effectLst/>
+            </c:spPr>
+            <c:extLst>
+              <c:ext xmlns:c16="http://schemas.microsoft.com/office/drawing/2014/chart" uri="{C3380CC4-5D6E-409C-BE32-E72D297353CC}">
+                <c16:uniqueId val="{00000003-05B6-427A-A56F-CFC63D3BB446}"/>
+              </c:ext>
+            </c:extLst>
+          </c:dPt>
+          <c:dLbls>
+            <c:spPr>
+              <a:noFill/>
+              <a:ln>
+                <a:noFill/>
+              </a:ln>
+              <a:effectLst/>
+            </c:spPr>
+            <c:txPr>
+              <a:bodyPr rot="0" spcFirstLastPara="0" vertOverflow="ellipsis" vert="horz" wrap="square" lIns="38100" tIns="19050" rIns="38100" bIns="19050" anchor="ctr" anchorCtr="1"/>
+              <a:lstStyle/>
+              <a:p>
+                <a:pPr>
+                  <a:defRPr lang="zh-CN" sz="900" b="0" i="0" u="none" strike="noStrike" kern="1200" baseline="0">
+                    <a:solidFill>
+                      <a:schemeClr val="tx1">
+                        <a:lumMod val="75000"/>
+                        <a:lumOff val="25000"/>
+                      </a:schemeClr>
+                    </a:solidFill>
+                    <a:latin typeface="+mn-lt"/>
+                    <a:ea typeface="+mn-ea"/>
+                    <a:cs typeface="+mn-cs"/>
+                  </a:defRPr>
+                </a:pPr>
+                <a:endParaRPr lang="zh-CN"/>
+              </a:p>
+            </c:txPr>
+            <c:dLblPos val="bestFit"/>
+            <c:showLegendKey val="0"/>
+            <c:showVal val="1"/>
+            <c:showCatName val="0"/>
+            <c:showSerName val="0"/>
+            <c:showPercent val="1"/>
+            <c:showBubbleSize val="0"/>
+            <c:showLeaderLines val="1"/>
+            <c:leaderLines>
+              <c:spPr>
+                <a:ln w="9525" cap="flat" cmpd="sng" algn="ctr">
+                  <a:solidFill>
+                    <a:schemeClr val="tx1">
+                      <a:lumMod val="35000"/>
+                      <a:lumOff val="65000"/>
+                    </a:schemeClr>
+                  </a:solidFill>
+                  <a:round/>
+                </a:ln>
+                <a:effectLst/>
+              </c:spPr>
+            </c:leaderLines>
+            <c:extLst>
+              <c:ext xmlns:c15="http://schemas.microsoft.com/office/drawing/2012/chart" uri="{CE6537A1-D6FC-4f65-9D91-7224C49458BB}"/>
+            </c:extLst>
+          </c:dLbls>
+          <c:cat>
+            <c:strRef>
+              <c:f>Sheet1!$A$2:$A$3</c:f>
+              <c:strCache>
+                <c:ptCount val="2"/>
+                <c:pt idx="0">
+                  <c:v>男生</c:v>
+                </c:pt>
+                <c:pt idx="1">
+                  <c:v>女生</c:v>
+                </c:pt>
+              </c:strCache>
+            </c:strRef>
+          </c:cat>
+          <c:val>
+            <c:numRef>
+              <c:f>Sheet1!$B$2:$B$3</c:f>
+              <c:numCache>
+                <c:formatCode>General</c:formatCode>
+                <c:ptCount val="2"/>
+                <c:pt idx="0">
+                  <c:v>15</c:v>
+                </c:pt>
+                <c:pt idx="1">
+                  <c:v>20</c:v>
+                </c:pt>
+              </c:numCache>
+            </c:numRef>
+          </c:val>
+          <c:extLst>
+            <c:ext xmlns:c16="http://schemas.microsoft.com/office/drawing/2014/chart" uri="{C3380CC4-5D6E-409C-BE32-E72D297353CC}">
+              <c16:uniqueId val="{00000004-05B6-427A-A56F-CFC63D3BB446}"/>
+            </c:ext>
+          </c:extLst>
+        </c:ser>
+        <c:dLbls>
+          <c:showLegendKey val="0"/>
+          <c:showVal val="1"/>
+          <c:showCatName val="0"/>
+          <c:showSerName val="0"/>
+          <c:showPercent val="1"/>
+          <c:showBubbleSize val="0"/>
+          <c:showLeaderLines val="1"/>
+        </c:dLbls>
+        <c:firstSliceAng val="0"/>
+      </c:pieChart>
+      <c:spPr>
+        <a:noFill/>
+        <a:ln>
+          <a:noFill/>
+        </a:ln>
+        <a:effectLst/>
+      </c:spPr>
+    </c:plotArea>
+    <c:legend>
+      <c:legendPos val="b"/>
+      <c:legendEntry>
+        <c:idx val="0"/>
+        <c:txPr>
+          <a:bodyPr rot="0" spcFirstLastPara="0" vertOverflow="ellipsis" vert="horz" wrap="square" anchor="ctr" anchorCtr="1"/>
+          <a:lstStyle/>
+          <a:p>
+            <a:pPr>
+              <a:defRPr lang="zh-CN" sz="900" b="0" i="0" u="none" strike="noStrike" kern="1200" baseline="0">
+                <a:solidFill>
+                  <a:schemeClr val="tx1">
+                    <a:lumMod val="65000"/>
+                    <a:lumOff val="35000"/>
+                  </a:schemeClr>
+                </a:solidFill>
+                <a:latin typeface="宋体" panose="02010600030101010101" pitchFamily="2" charset="-122"/>
+                <a:ea typeface="宋体" panose="02010600030101010101" pitchFamily="2" charset="-122"/>
+                <a:cs typeface="宋体" panose="02010600030101010101" pitchFamily="2" charset="-122"/>
+                <a:sym typeface="宋体" panose="02010600030101010101" pitchFamily="2" charset="-122"/>
+              </a:defRPr>
+            </a:pPr>
+            <a:endParaRPr lang="zh-CN"/>
+          </a:p>
+        </c:txPr>
+      </c:legendEntry>
+      <c:legendEntry>
+        <c:idx val="1"/>
+        <c:txPr>
+          <a:bodyPr rot="0" spcFirstLastPara="0" vertOverflow="ellipsis" vert="horz" wrap="square" anchor="ctr" anchorCtr="1"/>
+          <a:lstStyle/>
+          <a:p>
+            <a:pPr>
+              <a:defRPr lang="zh-CN" sz="900" b="0" i="0" u="none" strike="noStrike" kern="1200" baseline="0">
+                <a:solidFill>
+                  <a:schemeClr val="tx1">
+                    <a:lumMod val="65000"/>
+                    <a:lumOff val="35000"/>
+                  </a:schemeClr>
+                </a:solidFill>
+                <a:latin typeface="宋体" panose="02010600030101010101" pitchFamily="2" charset="-122"/>
+                <a:ea typeface="宋体" panose="02010600030101010101" pitchFamily="2" charset="-122"/>
+                <a:cs typeface="宋体" panose="02010600030101010101" pitchFamily="2" charset="-122"/>
+                <a:sym typeface="宋体" panose="02010600030101010101" pitchFamily="2" charset="-122"/>
+              </a:defRPr>
+            </a:pPr>
+            <a:endParaRPr lang="zh-CN"/>
+          </a:p>
+        </c:txPr>
+      </c:legendEntry>
+      <c:overlay val="0"/>
+      <c:spPr>
+        <a:noFill/>
+        <a:ln>
+          <a:noFill/>
+        </a:ln>
+        <a:effectLst/>
+      </c:spPr>
+      <c:txPr>
+        <a:bodyPr rot="0" spcFirstLastPara="0" vertOverflow="ellipsis" vert="horz" wrap="square" anchor="ctr" anchorCtr="1"/>
+        <a:lstStyle/>
+        <a:p>
+          <a:pPr>
+            <a:defRPr lang="zh-CN" sz="900" b="0" i="0" u="none" strike="noStrike" kern="1200" baseline="0">
+              <a:solidFill>
+                <a:schemeClr val="tx1">
+                  <a:lumMod val="65000"/>
+                  <a:lumOff val="35000"/>
+                </a:schemeClr>
+              </a:solidFill>
+              <a:latin typeface="宋体" panose="02010600030101010101" pitchFamily="2" charset="-122"/>
+              <a:ea typeface="宋体" panose="02010600030101010101" pitchFamily="2" charset="-122"/>
+              <a:cs typeface="宋体" panose="02010600030101010101" pitchFamily="2" charset="-122"/>
+              <a:sym typeface="宋体" panose="02010600030101010101" pitchFamily="2" charset="-122"/>
+            </a:defRPr>
+          </a:pPr>
+          <a:endParaRPr lang="zh-CN"/>
+        </a:p>
+      </c:txPr>
+    </c:legend>
+    <c:plotVisOnly val="1"/>
+    <c:dispBlanksAs val="gap"/>
+    <c:showDLblsOverMax val="0"/>
+  </c:chart>
+  <c:spPr>
+    <a:noFill/>
+    <a:ln>
+      <a:noFill/>
+    </a:ln>
+    <a:effectLst/>
+  </c:spPr>
+  <c:txPr>
+    <a:bodyPr/>
+    <a:lstStyle/>
+    <a:p>
+      <a:pPr>
+        <a:defRPr lang="zh-CN"/>
+      </a:pPr>
+      <a:endParaRPr lang="zh-CN"/>
+    </a:p>
+  </c:txPr>
+  <c:externalData r:id="rId3">
+    <c:autoUpdate val="0"/>
+  </c:externalData>
+</c:chartSpace>
+</file>
+
+<file path=ppt/charts/colors1.xml><?xml version="1.0" encoding="utf-8"?>
+<cs:colorStyle xmlns:cs="http://schemas.microsoft.com/office/drawing/2012/chartStyle" xmlns:a="http://schemas.openxmlformats.org/drawingml/2006/main" meth="withinLinear" id="14">
+  <a:schemeClr val="accent1"/>
+</cs:colorStyle>
+</file>
+
+<file path=ppt/charts/colors2.xml><?xml version="1.0" encoding="utf-8"?>
+<cs:colorStyle xmlns:cs="http://schemas.microsoft.com/office/drawing/2012/chartStyle" xmlns:a="http://schemas.openxmlformats.org/drawingml/2006/main" meth="cycle" id="10">
+  <a:schemeClr val="accent1"/>
+  <a:schemeClr val="accent2"/>
+  <a:schemeClr val="accent3"/>
+  <a:schemeClr val="accent4"/>
+  <a:schemeClr val="accent5"/>
+  <a:schemeClr val="accent6"/>
+  <cs:variation/>
+  <cs:variation>
+    <a:lumMod val="60000"/>
+  </cs:variation>
+  <cs:variation>
+    <a:lumMod val="80000"/>
+    <a:lumOff val="20000"/>
+  </cs:variation>
+  <cs:variation>
+    <a:lumMod val="80000"/>
+  </cs:variation>
+  <cs:variation>
+    <a:lumMod val="60000"/>
+    <a:lumOff val="40000"/>
+  </cs:variation>
+  <cs:variation>
+    <a:lumMod val="50000"/>
+  </cs:variation>
+  <cs:variation>
+    <a:lumMod val="70000"/>
+    <a:lumOff val="30000"/>
+  </cs:variation>
+  <cs:variation>
+    <a:lumMod val="70000"/>
+  </cs:variation>
+  <cs:variation>
+    <a:lumMod val="50000"/>
+    <a:lumOff val="50000"/>
+  </cs:variation>
+</cs:colorStyle>
+</file>
+
+<file path=ppt/charts/style1.xml><?xml version="1.0" encoding="utf-8"?>
+<cs:chartStyle xmlns:cs="http://schemas.microsoft.com/office/drawing/2012/chartStyle" xmlns:a="http://schemas.openxmlformats.org/drawingml/2006/main" id="216">
+  <cs:axisTitle>
+    <cs:lnRef idx="0"/>
+    <cs:fillRef idx="0"/>
+    <cs:effectRef idx="0"/>
+    <cs:fontRef idx="minor">
+      <a:schemeClr val="tx1">
+        <a:lumMod val="65000"/>
+        <a:lumOff val="35000"/>
+      </a:schemeClr>
+    </cs:fontRef>
+    <cs:defRPr sz="1000" kern="1200"/>
+  </cs:axisTitle>
+  <cs:categoryAxis>
+    <cs:lnRef idx="0"/>
+    <cs:fillRef idx="0"/>
+    <cs:effectRef idx="0"/>
+    <cs:fontRef idx="minor">
+      <a:schemeClr val="tx1">
+        <a:lumMod val="65000"/>
+        <a:lumOff val="35000"/>
+      </a:schemeClr>
+    </cs:fontRef>
+    <cs:spPr>
+      <a:ln w="9525" cap="flat" cmpd="sng" algn="ctr">
+        <a:solidFill>
+          <a:schemeClr val="tx1">
+            <a:lumMod val="15000"/>
+            <a:lumOff val="85000"/>
+          </a:schemeClr>
+        </a:solidFill>
+        <a:round/>
+      </a:ln>
+    </cs:spPr>
+    <cs:defRPr sz="900" kern="1200"/>
+  </cs:categoryAxis>
+  <cs:chartArea mods="allowNoFillOverride allowNoLineOverride">
+    <cs:lnRef idx="0"/>
+    <cs:fillRef idx="0"/>
+    <cs:effectRef idx="0"/>
+    <cs:fontRef idx="minor">
+      <a:schemeClr val="tx1"/>
+    </cs:fontRef>
+    <cs:spPr>
+      <a:solidFill>
+        <a:schemeClr val="bg1"/>
+      </a:solidFill>
+      <a:ln w="9525" cap="flat" cmpd="sng" algn="ctr">
+        <a:solidFill>
+          <a:schemeClr val="tx1">
+            <a:lumMod val="15000"/>
+            <a:lumOff val="85000"/>
+          </a:schemeClr>
+        </a:solidFill>
+        <a:round/>
+      </a:ln>
+    </cs:spPr>
+    <cs:defRPr sz="1000" kern="1200"/>
+  </cs:chartArea>
+  <cs:dataLabel>
+    <cs:lnRef idx="0"/>
+    <cs:fillRef idx="0"/>
+    <cs:effectRef idx="0"/>
+    <cs:fontRef idx="minor">
+      <a:schemeClr val="tx1">
+        <a:lumMod val="75000"/>
+        <a:lumOff val="25000"/>
+      </a:schemeClr>
+    </cs:fontRef>
+    <cs:defRPr sz="900" kern="1200"/>
+  </cs:dataLabel>
+  <cs:dataLabelCallout>
+    <cs:lnRef idx="0"/>
+    <cs:fillRef idx="0"/>
+    <cs:effectRef idx="0"/>
+    <cs:fontRef idx="minor">
+      <a:schemeClr val="dk1">
+        <a:lumMod val="65000"/>
+        <a:lumOff val="35000"/>
+      </a:schemeClr>
+    </cs:fontRef>
+    <cs:spPr>
+      <a:solidFill>
+        <a:schemeClr val="lt1"/>
+      </a:solidFill>
+      <a:ln>
+        <a:solidFill>
+          <a:schemeClr val="dk1">
+            <a:lumMod val="25000"/>
+            <a:lumOff val="75000"/>
+          </a:schemeClr>
+        </a:solidFill>
+      </a:ln>
+    </cs:spPr>
+    <cs:defRPr sz="900" kern="1200"/>
+    <cs:bodyPr rot="0" spcFirstLastPara="1" vertOverflow="clip" horzOverflow="clip" vert="horz" wrap="square" lIns="36576" tIns="18288" rIns="36576" bIns="18288" anchor="ctr" anchorCtr="1">
+      <a:spAutoFit/>
+    </cs:bodyPr>
+  </cs:dataLabelCallout>
+  <cs:dataPoint>
+    <cs:lnRef idx="0"/>
+    <cs:fillRef idx="1">
+      <cs:styleClr val="auto"/>
+    </cs:fillRef>
+    <cs:effectRef idx="0"/>
+    <cs:fontRef idx="minor">
+      <a:schemeClr val="tx1"/>
+    </cs:fontRef>
+  </cs:dataPoint>
+  <cs:dataPoint3D>
+    <cs:lnRef idx="0"/>
+    <cs:fillRef idx="1">
+      <cs:styleClr val="auto"/>
+    </cs:fillRef>
+    <cs:effectRef idx="0"/>
+    <cs:fontRef idx="minor">
+      <a:schemeClr val="tx1"/>
+    </cs:fontRef>
+  </cs:dataPoint3D>
+  <cs:dataPointLine>
+    <cs:lnRef idx="0">
+      <cs:styleClr val="auto"/>
+    </cs:lnRef>
+    <cs:fillRef idx="1"/>
+    <cs:effectRef idx="0"/>
+    <cs:fontRef idx="minor">
+      <a:schemeClr val="tx1"/>
+    </cs:fontRef>
+    <cs:spPr>
+      <a:ln w="28575" cap="rnd">
+        <a:solidFill>
+          <a:schemeClr val="phClr"/>
+        </a:solidFill>
+        <a:round/>
+      </a:ln>
+    </cs:spPr>
+  </cs:dataPointLine>
+  <cs:dataPointMarker>
+    <cs:lnRef idx="0">
+      <cs:styleClr val="auto"/>
+    </cs:lnRef>
+    <cs:fillRef idx="1">
+      <cs:styleClr val="auto"/>
+    </cs:fillRef>
+    <cs:effectRef idx="0"/>
+    <cs:fontRef idx="minor">
+      <a:schemeClr val="tx1"/>
+    </cs:fontRef>
+    <cs:spPr>
+      <a:ln w="9525">
+        <a:solidFill>
+          <a:schemeClr val="phClr"/>
+        </a:solidFill>
+      </a:ln>
+    </cs:spPr>
+  </cs:dataPointMarker>
+  <cs:dataPointMarkerLayout symbol="circle" size="5"/>
+  <cs:dataPointWireframe>
+    <cs:lnRef idx="0">
+      <cs:styleClr val="auto"/>
+    </cs:lnRef>
+    <cs:fillRef idx="1"/>
+    <cs:effectRef idx="0"/>
+    <cs:fontRef idx="minor">
+      <a:schemeClr val="tx1"/>
+    </cs:fontRef>
+    <cs:spPr>
+      <a:ln w="9525" cap="rnd">
+        <a:solidFill>
+          <a:schemeClr val="phClr"/>
+        </a:solidFill>
+        <a:round/>
+      </a:ln>
+    </cs:spPr>
+  </cs:dataPointWireframe>
+  <cs:dataTable>
+    <cs:lnRef idx="0"/>
+    <cs:fillRef idx="0"/>
+    <cs:effectRef idx="0"/>
+    <cs:fontRef idx="minor">
+      <a:schemeClr val="tx1">
+        <a:lumMod val="65000"/>
+        <a:lumOff val="35000"/>
+      </a:schemeClr>
+    </cs:fontRef>
+    <cs:spPr>
+      <a:noFill/>
+      <a:ln w="9525" cap="flat" cmpd="sng" algn="ctr">
+        <a:solidFill>
+          <a:schemeClr val="tx1">
+            <a:lumMod val="15000"/>
+            <a:lumOff val="85000"/>
+          </a:schemeClr>
+        </a:solidFill>
+        <a:round/>
+      </a:ln>
+    </cs:spPr>
+    <cs:defRPr sz="900" kern="1200"/>
+  </cs:dataTable>
+  <cs:downBar>
+    <cs:lnRef idx="0"/>
+    <cs:fillRef idx="0"/>
+    <cs:effectRef idx="0"/>
+    <cs:fontRef idx="minor">
+      <a:schemeClr val="tx1"/>
+    </cs:fontRef>
+    <cs:spPr>
+      <a:solidFill>
+        <a:schemeClr val="dk1">
+          <a:lumMod val="75000"/>
+          <a:lumOff val="25000"/>
+        </a:schemeClr>
+      </a:solidFill>
+      <a:ln w="9525" cap="flat" cmpd="sng" algn="ctr">
+        <a:solidFill>
+          <a:schemeClr val="tx1">
+            <a:lumMod val="65000"/>
+            <a:lumOff val="35000"/>
+          </a:schemeClr>
+        </a:solidFill>
+        <a:round/>
+      </a:ln>
+    </cs:spPr>
+  </cs:downBar>
+  <cs:dropLine>
+    <cs:lnRef idx="0"/>
+    <cs:fillRef idx="0"/>
+    <cs:effectRef idx="0"/>
+    <cs:fontRef idx="minor">
+      <a:schemeClr val="tx1"/>
+    </cs:fontRef>
+    <cs:spPr>
+      <a:ln w="9525" cap="flat" cmpd="sng" algn="ctr">
+        <a:solidFill>
+          <a:schemeClr val="tx1">
+            <a:lumMod val="35000"/>
+            <a:lumOff val="65000"/>
+          </a:schemeClr>
+        </a:solidFill>
+        <a:round/>
+      </a:ln>
+    </cs:spPr>
+  </cs:dropLine>
+  <cs:errorBar>
+    <cs:lnRef idx="0"/>
+    <cs:fillRef idx="0"/>
+    <cs:effectRef idx="0"/>
+    <cs:fontRef idx="minor">
+      <a:schemeClr val="tx1"/>
+    </cs:fontRef>
+    <cs:spPr>
+      <a:ln w="9525" cap="flat" cmpd="sng" algn="ctr">
+        <a:solidFill>
+          <a:schemeClr val="tx1">
+            <a:lumMod val="65000"/>
+            <a:lumOff val="35000"/>
+          </a:schemeClr>
+        </a:solidFill>
+        <a:round/>
+      </a:ln>
+    </cs:spPr>
+  </cs:errorBar>
+  <cs:floor>
+    <cs:lnRef idx="0"/>
+    <cs:fillRef idx="0"/>
+    <cs:effectRef idx="0"/>
+    <cs:fontRef idx="minor">
+      <a:schemeClr val="tx1"/>
+    </cs:fontRef>
+    <cs:spPr>
+      <a:noFill/>
+      <a:ln>
+        <a:noFill/>
+      </a:ln>
+    </cs:spPr>
+  </cs:floor>
+  <cs:gridlineMajor>
+    <cs:lnRef idx="0"/>
+    <cs:fillRef idx="0"/>
+    <cs:effectRef idx="0"/>
+    <cs:fontRef idx="minor">
+      <a:schemeClr val="tx1"/>
+    </cs:fontRef>
+    <cs:spPr>
+      <a:ln w="9525" cap="flat" cmpd="sng" algn="ctr">
+        <a:solidFill>
+          <a:schemeClr val="tx1">
+            <a:lumMod val="15000"/>
+            <a:lumOff val="85000"/>
+          </a:schemeClr>
+        </a:solidFill>
+        <a:round/>
+      </a:ln>
+    </cs:spPr>
+  </cs:gridlineMajor>
+  <cs:gridlineMinor>
+    <cs:lnRef idx="0"/>
+    <cs:fillRef idx="0"/>
+    <cs:effectRef idx="0"/>
+    <cs:fontRef idx="minor">
+      <a:schemeClr val="tx1"/>
+    </cs:fontRef>
+    <cs:spPr>
+      <a:ln w="9525" cap="flat" cmpd="sng" algn="ctr">
+        <a:solidFill>
+          <a:schemeClr val="tx1">
+            <a:lumMod val="5000"/>
+            <a:lumOff val="95000"/>
+          </a:schemeClr>
+        </a:solidFill>
+        <a:round/>
+      </a:ln>
+    </cs:spPr>
+  </cs:gridlineMinor>
+  <cs:hiLoLine>
+    <cs:lnRef idx="0"/>
+    <cs:fillRef idx="0"/>
+    <cs:effectRef idx="0"/>
+    <cs:fontRef idx="minor">
+      <a:schemeClr val="tx1"/>
+    </cs:fontRef>
+    <cs:spPr>
+      <a:ln w="9525" cap="flat" cmpd="sng" algn="ctr">
+        <a:solidFill>
+          <a:schemeClr val="tx1">
+            <a:lumMod val="50000"/>
+            <a:lumOff val="50000"/>
+          </a:schemeClr>
+        </a:solidFill>
+        <a:round/>
+      </a:ln>
+    </cs:spPr>
+  </cs:hiLoLine>
+  <cs:leaderLine>
+    <cs:lnRef idx="0"/>
+    <cs:fillRef idx="0"/>
+    <cs:effectRef idx="0"/>
+    <cs:fontRef idx="minor">
+      <a:schemeClr val="tx1"/>
+    </cs:fontRef>
+    <cs:spPr>
+      <a:ln w="9525" cap="flat" cmpd="sng" algn="ctr">
+        <a:solidFill>
+          <a:schemeClr val="tx1">
+            <a:lumMod val="35000"/>
+            <a:lumOff val="65000"/>
+          </a:schemeClr>
+        </a:solidFill>
+        <a:round/>
+      </a:ln>
+    </cs:spPr>
+  </cs:leaderLine>
+  <cs:legend>
+    <cs:lnRef idx="0"/>
+    <cs:fillRef idx="0"/>
+    <cs:effectRef idx="0"/>
+    <cs:fontRef idx="minor">
+      <a:schemeClr val="tx1">
+        <a:lumMod val="65000"/>
+        <a:lumOff val="35000"/>
+      </a:schemeClr>
+    </cs:fontRef>
+    <cs:defRPr sz="900" kern="1200"/>
+  </cs:legend>
+  <cs:plotArea mods="allowNoFillOverride allowNoLineOverride">
+    <cs:lnRef idx="0"/>
+    <cs:fillRef idx="0"/>
+    <cs:effectRef idx="0"/>
+    <cs:fontRef idx="minor">
+      <a:schemeClr val="tx1"/>
+    </cs:fontRef>
+  </cs:plotArea>
+  <cs:plotArea3D mods="allowNoFillOverride allowNoLineOverride">
+    <cs:lnRef idx="0"/>
+    <cs:fillRef idx="0"/>
+    <cs:effectRef idx="0"/>
+    <cs:fontRef idx="minor">
+      <a:schemeClr val="tx1"/>
+    </cs:fontRef>
+  </cs:plotArea3D>
+  <cs:seriesAxis>
+    <cs:lnRef idx="0"/>
+    <cs:fillRef idx="0"/>
+    <cs:effectRef idx="0"/>
+    <cs:fontRef idx="minor">
+      <a:schemeClr val="tx1">
+        <a:lumMod val="65000"/>
+        <a:lumOff val="35000"/>
+      </a:schemeClr>
+    </cs:fontRef>
+    <cs:defRPr sz="900" kern="1200"/>
+  </cs:seriesAxis>
+  <cs:seriesLine>
+    <cs:lnRef idx="0"/>
+    <cs:fillRef idx="0"/>
+    <cs:effectRef idx="0"/>
+    <cs:fontRef idx="minor">
+      <a:schemeClr val="tx1"/>
+    </cs:fontRef>
+    <cs:spPr>
+      <a:ln w="9525" cap="flat" cmpd="sng" algn="ctr">
+        <a:solidFill>
+          <a:schemeClr val="tx1">
+            <a:lumMod val="35000"/>
+            <a:lumOff val="65000"/>
+          </a:schemeClr>
+        </a:solidFill>
+        <a:round/>
+      </a:ln>
+    </cs:spPr>
+  </cs:seriesLine>
+  <cs:title>
+    <cs:lnRef idx="0"/>
+    <cs:fillRef idx="0"/>
+    <cs:effectRef idx="0"/>
+    <cs:fontRef idx="minor">
+      <a:schemeClr val="tx1">
+        <a:lumMod val="65000"/>
+        <a:lumOff val="35000"/>
+      </a:schemeClr>
+    </cs:fontRef>
+    <cs:defRPr sz="1400" b="0" kern="1200" spc="0" baseline="0"/>
+  </cs:title>
+  <cs:trendline>
+    <cs:lnRef idx="0">
+      <cs:styleClr val="auto"/>
+    </cs:lnRef>
+    <cs:fillRef idx="0"/>
+    <cs:effectRef idx="0"/>
+    <cs:fontRef idx="minor">
+      <a:schemeClr val="tx1"/>
+    </cs:fontRef>
+    <cs:spPr>
+      <a:ln w="19050" cap="rnd">
+        <a:solidFill>
+          <a:schemeClr val="phClr"/>
+        </a:solidFill>
+        <a:prstDash val="sysDot"/>
+      </a:ln>
+    </cs:spPr>
+  </cs:trendline>
+  <cs:trendlineLabel>
+    <cs:lnRef idx="0"/>
+    <cs:fillRef idx="0"/>
+    <cs:effectRef idx="0"/>
+    <cs:fontRef idx="minor">
+      <a:schemeClr val="tx1">
+        <a:lumMod val="65000"/>
+        <a:lumOff val="35000"/>
+      </a:schemeClr>
+    </cs:fontRef>
+    <cs:defRPr sz="900" kern="1200"/>
+  </cs:trendlineLabel>
+  <cs:upBar>
+    <cs:lnRef idx="0"/>
+    <cs:fillRef idx="0"/>
+    <cs:effectRef idx="0"/>
+    <cs:fontRef idx="minor">
+      <a:schemeClr val="tx1"/>
+    </cs:fontRef>
+    <cs:spPr>
+      <a:solidFill>
+        <a:schemeClr val="lt1"/>
+      </a:solidFill>
+      <a:ln w="9525" cap="flat" cmpd="sng" algn="ctr">
+        <a:solidFill>
+          <a:schemeClr val="tx1">
+            <a:lumMod val="65000"/>
+            <a:lumOff val="35000"/>
+          </a:schemeClr>
+        </a:solidFill>
+        <a:round/>
+      </a:ln>
+    </cs:spPr>
+  </cs:upBar>
+  <cs:valueAxis>
+    <cs:lnRef idx="0"/>
+    <cs:fillRef idx="0"/>
+    <cs:effectRef idx="0"/>
+    <cs:fontRef idx="minor">
+      <a:schemeClr val="tx1">
+        <a:lumMod val="65000"/>
+        <a:lumOff val="35000"/>
+      </a:schemeClr>
+    </cs:fontRef>
+    <cs:defRPr sz="900" kern="1200"/>
+  </cs:valueAxis>
+  <cs:wall>
+    <cs:lnRef idx="0"/>
+    <cs:fillRef idx="0"/>
+    <cs:effectRef idx="0"/>
+    <cs:fontRef idx="minor">
+      <a:schemeClr val="tx1"/>
+    </cs:fontRef>
+    <cs:spPr>
+      <a:noFill/>
+      <a:ln>
+        <a:noFill/>
+      </a:ln>
+    </cs:spPr>
+  </cs:wall>
+</cs:chartStyle>
+</file>
+
+<file path=ppt/charts/style2.xml><?xml version="1.0" encoding="utf-8"?>
+<cs:chartStyle xmlns:cs="http://schemas.microsoft.com/office/drawing/2012/chartStyle" xmlns:a="http://schemas.openxmlformats.org/drawingml/2006/main" id="251">
+  <cs:axisTitle>
+    <cs:lnRef idx="0"/>
+    <cs:fillRef idx="0"/>
+    <cs:effectRef idx="0"/>
+    <cs:fontRef idx="minor">
+      <a:schemeClr val="tx1">
+        <a:lumMod val="65000"/>
+        <a:lumOff val="35000"/>
+      </a:schemeClr>
+    </cs:fontRef>
+    <cs:defRPr sz="1000" kern="1200"/>
+  </cs:axisTitle>
+  <cs:categoryAxis>
+    <cs:lnRef idx="0"/>
+    <cs:fillRef idx="0"/>
+    <cs:effectRef idx="0"/>
+    <cs:fontRef idx="minor">
+      <a:schemeClr val="tx1">
+        <a:lumMod val="65000"/>
+        <a:lumOff val="35000"/>
+      </a:schemeClr>
+    </cs:fontRef>
+    <cs:spPr>
+      <a:ln w="9525" cap="flat" cmpd="sng" algn="ctr">
+        <a:solidFill>
+          <a:schemeClr val="tx1">
+            <a:lumMod val="15000"/>
+            <a:lumOff val="85000"/>
+          </a:schemeClr>
+        </a:solidFill>
+        <a:round/>
+      </a:ln>
+    </cs:spPr>
+    <cs:defRPr sz="900" kern="1200"/>
+  </cs:categoryAxis>
+  <cs:chartArea mods="allowNoFillOverride allowNoLineOverride">
+    <cs:lnRef idx="0"/>
+    <cs:fillRef idx="0"/>
+    <cs:effectRef idx="0"/>
+    <cs:fontRef idx="minor">
+      <a:schemeClr val="tx1"/>
+    </cs:fontRef>
+    <cs:spPr>
+      <a:solidFill>
+        <a:schemeClr val="bg1"/>
+      </a:solidFill>
+      <a:ln w="9525" cap="flat" cmpd="sng" algn="ctr">
+        <a:solidFill>
+          <a:schemeClr val="tx1">
+            <a:lumMod val="15000"/>
+            <a:lumOff val="85000"/>
+          </a:schemeClr>
+        </a:solidFill>
+        <a:round/>
+      </a:ln>
+    </cs:spPr>
+    <cs:defRPr sz="900" kern="1200"/>
+  </cs:chartArea>
+  <cs:dataLabel>
+    <cs:lnRef idx="0"/>
+    <cs:fillRef idx="0"/>
+    <cs:effectRef idx="0"/>
+    <cs:fontRef idx="minor">
+      <a:schemeClr val="tx1">
+        <a:lumMod val="75000"/>
+        <a:lumOff val="25000"/>
+      </a:schemeClr>
+    </cs:fontRef>
+    <cs:defRPr sz="900" kern="1200"/>
+  </cs:dataLabel>
+  <cs:dataLabelCallout>
+    <cs:lnRef idx="0"/>
+    <cs:fillRef idx="0"/>
+    <cs:effectRef idx="0"/>
+    <cs:fontRef idx="minor">
+      <a:schemeClr val="dk1">
+        <a:lumMod val="65000"/>
+        <a:lumOff val="35000"/>
+      </a:schemeClr>
+    </cs:fontRef>
+    <cs:spPr>
+      <a:solidFill>
+        <a:schemeClr val="lt1"/>
+      </a:solidFill>
+      <a:ln>
+        <a:solidFill>
+          <a:schemeClr val="dk1">
+            <a:lumMod val="25000"/>
+            <a:lumOff val="75000"/>
+          </a:schemeClr>
+        </a:solidFill>
+      </a:ln>
+    </cs:spPr>
+    <cs:defRPr sz="900" kern="1200"/>
+    <cs:bodyPr rot="0" spcFirstLastPara="1" vertOverflow="clip" horzOverflow="clip" vert="horz" wrap="square" lIns="36576" tIns="18288" rIns="36576" bIns="18288" anchor="ctr" anchorCtr="1">
+      <a:spAutoFit/>
+    </cs:bodyPr>
+  </cs:dataLabelCallout>
+  <cs:dataPoint>
+    <cs:lnRef idx="0"/>
+    <cs:fillRef idx="1">
+      <cs:styleClr val="auto"/>
+    </cs:fillRef>
+    <cs:effectRef idx="0"/>
+    <cs:fontRef idx="minor">
+      <a:schemeClr val="tx1"/>
+    </cs:fontRef>
+    <cs:spPr>
+      <a:ln w="19050">
+        <a:solidFill>
+          <a:schemeClr val="lt1"/>
+        </a:solidFill>
+      </a:ln>
+    </cs:spPr>
+  </cs:dataPoint>
+  <cs:dataPoint3D>
+    <cs:lnRef idx="0"/>
+    <cs:fillRef idx="1">
+      <cs:styleClr val="auto"/>
+    </cs:fillRef>
+    <cs:effectRef idx="0"/>
+    <cs:fontRef idx="minor">
+      <a:schemeClr val="tx1"/>
+    </cs:fontRef>
+    <cs:spPr>
+      <a:ln w="25400">
+        <a:solidFill>
+          <a:schemeClr val="lt1"/>
+        </a:solidFill>
+      </a:ln>
+    </cs:spPr>
+  </cs:dataPoint3D>
+  <cs:dataPointLine>
+    <cs:lnRef idx="0">
+      <cs:styleClr val="auto"/>
+    </cs:lnRef>
+    <cs:fillRef idx="0"/>
+    <cs:effectRef idx="0"/>
+    <cs:fontRef idx="minor">
+      <a:schemeClr val="tx1"/>
+    </cs:fontRef>
+    <cs:spPr>
+      <a:ln w="28575" cap="rnd">
+        <a:solidFill>
+          <a:schemeClr val="phClr"/>
+        </a:solidFill>
+        <a:round/>
+      </a:ln>
+    </cs:spPr>
+  </cs:dataPointLine>
+  <cs:dataPointMarker>
+    <cs:lnRef idx="0">
+      <cs:styleClr val="auto"/>
+    </cs:lnRef>
+    <cs:fillRef idx="1">
+      <cs:styleClr val="auto"/>
+    </cs:fillRef>
+    <cs:effectRef idx="0"/>
+    <cs:fontRef idx="minor">
+      <a:schemeClr val="tx1"/>
+    </cs:fontRef>
+    <cs:spPr>
+      <a:ln w="9525">
+        <a:solidFill>
+          <a:schemeClr val="phClr"/>
+        </a:solidFill>
+      </a:ln>
+    </cs:spPr>
+  </cs:dataPointMarker>
+  <cs:dataPointMarkerLayout symbol="circle" size="5"/>
+  <cs:dataPointWireframe>
+    <cs:lnRef idx="0">
+      <cs:styleClr val="auto"/>
+    </cs:lnRef>
+    <cs:fillRef idx="0"/>
+    <cs:effectRef idx="0"/>
+    <cs:fontRef idx="minor">
+      <a:schemeClr val="tx1"/>
+    </cs:fontRef>
+    <cs:spPr>
+      <a:ln w="9525" cap="rnd">
+        <a:solidFill>
+          <a:schemeClr val="phClr"/>
+        </a:solidFill>
+        <a:round/>
+      </a:ln>
+    </cs:spPr>
+  </cs:dataPointWireframe>
+  <cs:dataTable>
+    <cs:lnRef idx="0"/>
+    <cs:fillRef idx="0"/>
+    <cs:effectRef idx="0"/>
+    <cs:fontRef idx="minor">
+      <a:schemeClr val="tx1">
+        <a:lumMod val="65000"/>
+        <a:lumOff val="35000"/>
+      </a:schemeClr>
+    </cs:fontRef>
+    <cs:spPr>
+      <a:noFill/>
+      <a:ln w="9525" cap="flat" cmpd="sng" algn="ctr">
+        <a:solidFill>
+          <a:schemeClr val="tx1">
+            <a:lumMod val="15000"/>
+            <a:lumOff val="85000"/>
+          </a:schemeClr>
+        </a:solidFill>
+        <a:round/>
+      </a:ln>
+    </cs:spPr>
+    <cs:defRPr sz="900" kern="1200"/>
+  </cs:dataTable>
+  <cs:downBar>
+    <cs:lnRef idx="0"/>
+    <cs:fillRef idx="0"/>
+    <cs:effectRef idx="0"/>
+    <cs:fontRef idx="minor">
+      <a:schemeClr val="tx1"/>
+    </cs:fontRef>
+    <cs:spPr>
+      <a:solidFill>
+        <a:schemeClr val="dk1">
+          <a:lumMod val="75000"/>
+          <a:lumOff val="25000"/>
+        </a:schemeClr>
+      </a:solidFill>
+      <a:ln w="9525" cap="flat" cmpd="sng" algn="ctr">
+        <a:solidFill>
+          <a:schemeClr val="tx1">
+            <a:lumMod val="65000"/>
+            <a:lumOff val="35000"/>
+          </a:schemeClr>
+        </a:solidFill>
+        <a:round/>
+      </a:ln>
+    </cs:spPr>
+  </cs:downBar>
+  <cs:dropLine>
+    <cs:lnRef idx="0"/>
+    <cs:fillRef idx="0"/>
+    <cs:effectRef idx="0"/>
+    <cs:fontRef idx="minor">
+      <a:schemeClr val="tx1"/>
+    </cs:fontRef>
+    <cs:spPr>
+      <a:ln w="9525" cap="flat" cmpd="sng" algn="ctr">
+        <a:solidFill>
+          <a:schemeClr val="tx1">
+            <a:lumMod val="35000"/>
+            <a:lumOff val="65000"/>
+          </a:schemeClr>
+        </a:solidFill>
+        <a:round/>
+      </a:ln>
+    </cs:spPr>
+  </cs:dropLine>
+  <cs:errorBar>
+    <cs:lnRef idx="0"/>
+    <cs:fillRef idx="0"/>
+    <cs:effectRef idx="0"/>
+    <cs:fontRef idx="minor">
+      <a:schemeClr val="tx1"/>
+    </cs:fontRef>
+    <cs:spPr>
+      <a:ln w="9525" cap="flat" cmpd="sng" algn="ctr">
+        <a:solidFill>
+          <a:schemeClr val="tx1">
+            <a:lumMod val="65000"/>
+            <a:lumOff val="35000"/>
+          </a:schemeClr>
+        </a:solidFill>
+        <a:round/>
+      </a:ln>
+    </cs:spPr>
+  </cs:errorBar>
+  <cs:floor>
+    <cs:lnRef idx="0"/>
+    <cs:fillRef idx="0"/>
+    <cs:effectRef idx="0"/>
+    <cs:fontRef idx="minor">
+      <a:schemeClr val="tx1"/>
+    </cs:fontRef>
+    <cs:spPr>
+      <a:noFill/>
+      <a:ln>
+        <a:noFill/>
+      </a:ln>
+    </cs:spPr>
+  </cs:floor>
+  <cs:gridlineMajor>
+    <cs:lnRef idx="0"/>
+    <cs:fillRef idx="0"/>
+    <cs:effectRef idx="0"/>
+    <cs:fontRef idx="minor">
+      <a:schemeClr val="tx1"/>
+    </cs:fontRef>
+    <cs:spPr>
+      <a:ln w="9525" cap="flat" cmpd="sng" algn="ctr">
+        <a:solidFill>
+          <a:schemeClr val="tx1">
+            <a:lumMod val="15000"/>
+            <a:lumOff val="85000"/>
+          </a:schemeClr>
+        </a:solidFill>
+        <a:round/>
+      </a:ln>
+    </cs:spPr>
+  </cs:gridlineMajor>
+  <cs:gridlineMinor>
+    <cs:lnRef idx="0"/>
+    <cs:fillRef idx="0"/>
+    <cs:effectRef idx="0"/>
+    <cs:fontRef idx="minor">
+      <a:schemeClr val="tx1"/>
+    </cs:fontRef>
+    <cs:spPr>
+      <a:ln w="9525" cap="flat" cmpd="sng" algn="ctr">
+        <a:solidFill>
+          <a:schemeClr val="tx1">
+            <a:lumMod val="5000"/>
+            <a:lumOff val="95000"/>
+          </a:schemeClr>
+        </a:solidFill>
+        <a:round/>
+      </a:ln>
+    </cs:spPr>
+  </cs:gridlineMinor>
+  <cs:hiLoLine>
+    <cs:lnRef idx="0"/>
+    <cs:fillRef idx="0"/>
+    <cs:effectRef idx="0"/>
+    <cs:fontRef idx="minor">
+      <a:schemeClr val="tx1"/>
+    </cs:fontRef>
+    <cs:spPr>
+      <a:ln w="9525" cap="flat" cmpd="sng" algn="ctr">
+        <a:solidFill>
+          <a:schemeClr val="tx1">
+            <a:lumMod val="50000"/>
+            <a:lumOff val="50000"/>
+          </a:schemeClr>
+        </a:solidFill>
+        <a:round/>
+      </a:ln>
+    </cs:spPr>
+  </cs:hiLoLine>
+  <cs:leaderLine>
+    <cs:lnRef idx="0"/>
+    <cs:fillRef idx="0"/>
+    <cs:effectRef idx="0"/>
+    <cs:fontRef idx="minor">
+      <a:schemeClr val="tx1"/>
+    </cs:fontRef>
+    <cs:spPr>
+      <a:ln w="9525" cap="flat" cmpd="sng" algn="ctr">
+        <a:solidFill>
+          <a:schemeClr val="tx1">
+            <a:lumMod val="35000"/>
+            <a:lumOff val="65000"/>
+          </a:schemeClr>
+        </a:solidFill>
+        <a:round/>
+      </a:ln>
+    </cs:spPr>
+  </cs:leaderLine>
+  <cs:legend>
+    <cs:lnRef idx="0"/>
+    <cs:fillRef idx="0"/>
+    <cs:effectRef idx="0"/>
+    <cs:fontRef idx="minor">
+      <a:schemeClr val="tx1">
+        <a:lumMod val="65000"/>
+        <a:lumOff val="35000"/>
+      </a:schemeClr>
+    </cs:fontRef>
+    <cs:defRPr sz="900" kern="1200"/>
+  </cs:legend>
+  <cs:plotArea mods="allowNoFillOverride allowNoLineOverride">
+    <cs:lnRef idx="0"/>
+    <cs:fillRef idx="0"/>
+    <cs:effectRef idx="0"/>
+    <cs:fontRef idx="minor">
+      <a:schemeClr val="tx1"/>
+    </cs:fontRef>
+  </cs:plotArea>
+  <cs:plotArea3D mods="allowNoFillOverride allowNoLineOverride">
+    <cs:lnRef idx="0"/>
+    <cs:fillRef idx="0"/>
+    <cs:effectRef idx="0"/>
+    <cs:fontRef idx="minor">
+      <a:schemeClr val="tx1"/>
+    </cs:fontRef>
+  </cs:plotArea3D>
+  <cs:seriesAxis>
+    <cs:lnRef idx="0"/>
+    <cs:fillRef idx="0"/>
+    <cs:effectRef idx="0"/>
+    <cs:fontRef idx="minor">
+      <a:schemeClr val="tx1">
+        <a:lumMod val="65000"/>
+        <a:lumOff val="35000"/>
+      </a:schemeClr>
+    </cs:fontRef>
+    <cs:defRPr sz="900" kern="1200"/>
+  </cs:seriesAxis>
+  <cs:seriesLine>
+    <cs:lnRef idx="0"/>
+    <cs:fillRef idx="0"/>
+    <cs:effectRef idx="0"/>
+    <cs:fontRef idx="minor">
+      <a:schemeClr val="tx1"/>
+    </cs:fontRef>
+    <cs:spPr>
+      <a:ln w="9525" cap="flat" cmpd="sng" algn="ctr">
+        <a:solidFill>
+          <a:schemeClr val="tx1">
+            <a:lumMod val="35000"/>
+            <a:lumOff val="65000"/>
+          </a:schemeClr>
+        </a:solidFill>
+        <a:round/>
+      </a:ln>
+    </cs:spPr>
+  </cs:seriesLine>
+  <cs:title>
+    <cs:lnRef idx="0"/>
+    <cs:fillRef idx="0"/>
+    <cs:effectRef idx="0"/>
+    <cs:fontRef idx="minor">
+      <a:schemeClr val="tx1">
+        <a:lumMod val="65000"/>
+        <a:lumOff val="35000"/>
+      </a:schemeClr>
+    </cs:fontRef>
+    <cs:defRPr sz="1400" b="0" kern="1200" spc="0" baseline="0"/>
+  </cs:title>
+  <cs:trendline>
+    <cs:lnRef idx="0">
+      <cs:styleClr val="auto"/>
+    </cs:lnRef>
+    <cs:fillRef idx="0"/>
+    <cs:effectRef idx="0"/>
+    <cs:fontRef idx="minor">
+      <a:schemeClr val="tx1"/>
+    </cs:fontRef>
+    <cs:spPr>
+      <a:ln w="19050" cap="rnd">
+        <a:solidFill>
+          <a:schemeClr val="phClr"/>
+        </a:solidFill>
+        <a:prstDash val="sysDot"/>
+      </a:ln>
+    </cs:spPr>
+  </cs:trendline>
+  <cs:trendlineLabel>
+    <cs:lnRef idx="0"/>
+    <cs:fillRef idx="0"/>
+    <cs:effectRef idx="0"/>
+    <cs:fontRef idx="minor">
+      <a:schemeClr val="tx1">
+        <a:lumMod val="65000"/>
+        <a:lumOff val="35000"/>
+      </a:schemeClr>
+    </cs:fontRef>
+    <cs:defRPr sz="900" kern="1200"/>
+  </cs:trendlineLabel>
+  <cs:upBar>
+    <cs:lnRef idx="0"/>
+    <cs:fillRef idx="0"/>
+    <cs:effectRef idx="0"/>
+    <cs:fontRef idx="minor">
+      <a:schemeClr val="tx1"/>
+    </cs:fontRef>
+    <cs:spPr>
+      <a:solidFill>
+        <a:schemeClr val="lt1"/>
+      </a:solidFill>
+      <a:ln w="9525" cap="flat" cmpd="sng" algn="ctr">
+        <a:solidFill>
+          <a:schemeClr val="tx1">
+            <a:lumMod val="65000"/>
+            <a:lumOff val="35000"/>
+          </a:schemeClr>
+        </a:solidFill>
+        <a:round/>
+      </a:ln>
+    </cs:spPr>
+  </cs:upBar>
+  <cs:valueAxis>
+    <cs:lnRef idx="0"/>
+    <cs:fillRef idx="0"/>
+    <cs:effectRef idx="0"/>
+    <cs:fontRef idx="minor">
+      <a:schemeClr val="tx1">
+        <a:lumMod val="65000"/>
+        <a:lumOff val="35000"/>
+      </a:schemeClr>
+    </cs:fontRef>
+    <cs:defRPr sz="900" kern="1200"/>
+  </cs:valueAxis>
+  <cs:wall>
+    <cs:lnRef idx="0"/>
+    <cs:fillRef idx="0"/>
+    <cs:effectRef idx="0"/>
+    <cs:fontRef idx="minor">
+      <a:schemeClr val="tx1"/>
+    </cs:fontRef>
+    <cs:spPr>
+      <a:noFill/>
+      <a:ln>
+        <a:noFill/>
+      </a:ln>
+    </cs:spPr>
+  </cs:wall>
+</cs:chartStyle>
 </file>
 
 <file path=ppt/slideLayouts/slideLayout1.xml><?xml version="1.0" encoding="utf-8"?>
@@ -3321,290 +5286,64 @@
           <a:chExt cx="0" cy="0"/>
         </a:xfrm>
       </p:grpSpPr>
-      <p:sp>
-        <p:nvSpPr>
-          <p:cNvPr id="4" name="矩形 3">
-            <a:extLst>
-              <a:ext uri="{FF2B5EF4-FFF2-40B4-BE49-F238E27FC236}">
-                <a16:creationId xmlns:a16="http://schemas.microsoft.com/office/drawing/2014/main" id="{FF653E2E-D67A-44CC-AD30-18E592F50126}"/>
-              </a:ext>
-            </a:extLst>
-          </p:cNvPr>
-          <p:cNvSpPr/>
-          <p:nvPr/>
-        </p:nvSpPr>
-        <p:spPr>
-          <a:xfrm>
-            <a:off x="91125" y="707010"/>
-            <a:ext cx="6004875" cy="4864231"/>
-          </a:xfrm>
-          <a:prstGeom prst="rect">
-            <a:avLst/>
-          </a:prstGeom>
-        </p:spPr>
-        <p:style>
-          <a:lnRef idx="2">
-            <a:schemeClr val="accent1">
-              <a:shade val="50000"/>
-            </a:schemeClr>
-          </a:lnRef>
-          <a:fillRef idx="1">
-            <a:schemeClr val="accent1"/>
-          </a:fillRef>
-          <a:effectRef idx="0">
-            <a:schemeClr val="accent1"/>
-          </a:effectRef>
-          <a:fontRef idx="minor">
-            <a:schemeClr val="lt1"/>
-          </a:fontRef>
-        </p:style>
-        <p:txBody>
-          <a:bodyPr rtlCol="0" anchor="ctr"/>
-          <a:lstStyle/>
-          <a:p>
-            <a:pPr algn="ctr"/>
-            <a:endParaRPr lang="zh-CN" altLang="en-US"/>
-          </a:p>
-        </p:txBody>
-      </p:sp>
-      <p:sp>
-        <p:nvSpPr>
-          <p:cNvPr id="6" name="矩形: 圆角 5">
-            <a:extLst>
-              <a:ext uri="{FF2B5EF4-FFF2-40B4-BE49-F238E27FC236}">
-                <a16:creationId xmlns:a16="http://schemas.microsoft.com/office/drawing/2014/main" id="{9F1EEEB2-0E48-4A33-BABE-13632E06BC54}"/>
-              </a:ext>
-            </a:extLst>
-          </p:cNvPr>
-          <p:cNvSpPr/>
-          <p:nvPr/>
-        </p:nvSpPr>
-        <p:spPr>
-          <a:xfrm>
-            <a:off x="127260" y="1025164"/>
-            <a:ext cx="5307291" cy="4227921"/>
-          </a:xfrm>
-          <a:prstGeom prst="roundRect">
-            <a:avLst/>
-          </a:prstGeom>
-        </p:spPr>
-        <p:style>
-          <a:lnRef idx="2">
-            <a:schemeClr val="accent6">
-              <a:shade val="50000"/>
-            </a:schemeClr>
-          </a:lnRef>
-          <a:fillRef idx="1">
-            <a:schemeClr val="accent6"/>
-          </a:fillRef>
-          <a:effectRef idx="0">
-            <a:schemeClr val="accent6"/>
-          </a:effectRef>
-          <a:fontRef idx="minor">
-            <a:schemeClr val="lt1"/>
-          </a:fontRef>
-        </p:style>
-        <p:txBody>
-          <a:bodyPr rtlCol="0" anchor="ctr"/>
-          <a:lstStyle/>
-          <a:p>
-            <a:pPr algn="ctr"/>
-            <a:endParaRPr lang="zh-CN" altLang="en-US"/>
-          </a:p>
-        </p:txBody>
-      </p:sp>
-      <p:sp>
-        <p:nvSpPr>
-          <p:cNvPr id="7" name="矩形: 圆角 6">
-            <a:extLst>
-              <a:ext uri="{FF2B5EF4-FFF2-40B4-BE49-F238E27FC236}">
-                <a16:creationId xmlns:a16="http://schemas.microsoft.com/office/drawing/2014/main" id="{315F0F32-7B3F-45E7-A424-539BDC349107}"/>
-              </a:ext>
-            </a:extLst>
-          </p:cNvPr>
-          <p:cNvSpPr/>
-          <p:nvPr/>
-        </p:nvSpPr>
-        <p:spPr>
-          <a:xfrm>
-            <a:off x="461913" y="1414019"/>
-            <a:ext cx="4637987" cy="2828042"/>
-          </a:xfrm>
-          <a:prstGeom prst="roundRect">
-            <a:avLst/>
-          </a:prstGeom>
-        </p:spPr>
-        <p:style>
-          <a:lnRef idx="2">
-            <a:schemeClr val="accent4">
-              <a:shade val="50000"/>
-            </a:schemeClr>
-          </a:lnRef>
-          <a:fillRef idx="1">
-            <a:schemeClr val="accent4"/>
-          </a:fillRef>
-          <a:effectRef idx="0">
-            <a:schemeClr val="accent4"/>
-          </a:effectRef>
-          <a:fontRef idx="minor">
-            <a:schemeClr val="lt1"/>
-          </a:fontRef>
-        </p:style>
-        <p:txBody>
-          <a:bodyPr rtlCol="0" anchor="ctr"/>
-          <a:lstStyle/>
-          <a:p>
-            <a:pPr algn="ctr"/>
-            <a:r>
-              <a:rPr lang="en-US" altLang="zh-CN" dirty="0"/>
-              <a:t>111111</a:t>
-            </a:r>
-            <a:endParaRPr lang="zh-CN" altLang="en-US" dirty="0"/>
-          </a:p>
-        </p:txBody>
-      </p:sp>
-      <p:sp>
-        <p:nvSpPr>
-          <p:cNvPr id="8" name="矩形 7">
-            <a:extLst>
-              <a:ext uri="{FF2B5EF4-FFF2-40B4-BE49-F238E27FC236}">
-                <a16:creationId xmlns:a16="http://schemas.microsoft.com/office/drawing/2014/main" id="{F2C50701-4A0D-4919-8C71-23B0919C0124}"/>
-              </a:ext>
-            </a:extLst>
-          </p:cNvPr>
-          <p:cNvSpPr/>
-          <p:nvPr/>
-        </p:nvSpPr>
-        <p:spPr>
-          <a:xfrm>
-            <a:off x="6430654" y="996884"/>
-            <a:ext cx="4834378" cy="4256201"/>
-          </a:xfrm>
-          <a:prstGeom prst="rect">
-            <a:avLst/>
-          </a:prstGeom>
-        </p:spPr>
-        <p:style>
-          <a:lnRef idx="2">
-            <a:schemeClr val="accent1">
-              <a:shade val="50000"/>
-            </a:schemeClr>
-          </a:lnRef>
-          <a:fillRef idx="1">
-            <a:schemeClr val="accent1"/>
-          </a:fillRef>
-          <a:effectRef idx="0">
-            <a:schemeClr val="accent1"/>
-          </a:effectRef>
-          <a:fontRef idx="minor">
-            <a:schemeClr val="lt1"/>
-          </a:fontRef>
-        </p:style>
-        <p:txBody>
-          <a:bodyPr rtlCol="0" anchor="ctr"/>
-          <a:lstStyle/>
-          <a:p>
-            <a:pPr algn="ctr"/>
-            <a:endParaRPr lang="zh-CN" altLang="en-US"/>
-          </a:p>
-        </p:txBody>
-      </p:sp>
-      <p:sp>
-        <p:nvSpPr>
-          <p:cNvPr id="9" name="矩形: 圆角 8">
-            <a:extLst>
-              <a:ext uri="{FF2B5EF4-FFF2-40B4-BE49-F238E27FC236}">
-                <a16:creationId xmlns:a16="http://schemas.microsoft.com/office/drawing/2014/main" id="{4AFF0277-9B9D-41DB-B2EB-0869BF730739}"/>
-              </a:ext>
-            </a:extLst>
-          </p:cNvPr>
-          <p:cNvSpPr/>
-          <p:nvPr/>
-        </p:nvSpPr>
-        <p:spPr>
-          <a:xfrm>
-            <a:off x="7070105" y="1503576"/>
-            <a:ext cx="3629318" cy="3332376"/>
-          </a:xfrm>
-          <a:prstGeom prst="roundRect">
-            <a:avLst/>
-          </a:prstGeom>
-        </p:spPr>
-        <p:style>
-          <a:lnRef idx="2">
-            <a:schemeClr val="accent6">
-              <a:shade val="50000"/>
-            </a:schemeClr>
-          </a:lnRef>
-          <a:fillRef idx="1">
-            <a:schemeClr val="accent6"/>
-          </a:fillRef>
-          <a:effectRef idx="0">
-            <a:schemeClr val="accent6"/>
-          </a:effectRef>
-          <a:fontRef idx="minor">
-            <a:schemeClr val="lt1"/>
-          </a:fontRef>
-        </p:style>
-        <p:txBody>
-          <a:bodyPr rtlCol="0" anchor="ctr"/>
-          <a:lstStyle/>
-          <a:p>
-            <a:pPr algn="ctr"/>
-            <a:endParaRPr lang="zh-CN" altLang="en-US"/>
-          </a:p>
-        </p:txBody>
-      </p:sp>
-      <p:sp>
-        <p:nvSpPr>
-          <p:cNvPr id="10" name="矩形: 圆角 9">
-            <a:extLst>
-              <a:ext uri="{FF2B5EF4-FFF2-40B4-BE49-F238E27FC236}">
-                <a16:creationId xmlns:a16="http://schemas.microsoft.com/office/drawing/2014/main" id="{6CDF275B-2D92-4BC5-BF49-BDEA59B0AE15}"/>
-              </a:ext>
-            </a:extLst>
-          </p:cNvPr>
-          <p:cNvSpPr/>
-          <p:nvPr/>
-        </p:nvSpPr>
-        <p:spPr>
-          <a:xfrm>
-            <a:off x="7277494" y="1880646"/>
-            <a:ext cx="2912881" cy="2276575"/>
-          </a:xfrm>
-          <a:prstGeom prst="roundRect">
-            <a:avLst/>
-          </a:prstGeom>
-        </p:spPr>
-        <p:style>
-          <a:lnRef idx="2">
-            <a:schemeClr val="accent4">
-              <a:shade val="50000"/>
-            </a:schemeClr>
-          </a:lnRef>
-          <a:fillRef idx="1">
-            <a:schemeClr val="accent4"/>
-          </a:fillRef>
-          <a:effectRef idx="0">
-            <a:schemeClr val="accent4"/>
-          </a:effectRef>
-          <a:fontRef idx="minor">
-            <a:schemeClr val="lt1"/>
-          </a:fontRef>
-        </p:style>
-        <p:txBody>
-          <a:bodyPr rtlCol="0" anchor="ctr"/>
-          <a:lstStyle/>
-          <a:p>
-            <a:pPr algn="ctr"/>
-            <a:r>
-              <a:rPr lang="en-US" altLang="zh-CN" dirty="0"/>
-              <a:t>22222</a:t>
-            </a:r>
-            <a:endParaRPr lang="zh-CN" altLang="en-US" dirty="0"/>
-          </a:p>
-        </p:txBody>
-      </p:sp>
+      <p:graphicFrame>
+        <p:nvGraphicFramePr>
+          <p:cNvPr id="11" name="图表 10">
+            <a:extLst>
+              <a:ext uri="{FF2B5EF4-FFF2-40B4-BE49-F238E27FC236}">
+                <a16:creationId xmlns:a16="http://schemas.microsoft.com/office/drawing/2014/main" id="{F0D78EEA-BD50-40D1-B335-D2CFBDFB1C24}"/>
+              </a:ext>
+            </a:extLst>
+          </p:cNvPr>
+          <p:cNvGraphicFramePr>
+            <a:graphicFrameLocks noGrp="1"/>
+          </p:cNvGraphicFramePr>
+          <p:nvPr>
+            <p:extLst>
+              <p:ext uri="{D42A27DB-BD31-4B8C-83A1-F6EECF244321}">
+                <p14:modId xmlns:p14="http://schemas.microsoft.com/office/powerpoint/2010/main" val="62816395"/>
+              </p:ext>
+            </p:extLst>
+          </p:nvPr>
+        </p:nvGraphicFramePr>
+        <p:xfrm>
+          <a:off x="535305" y="1484015"/>
+          <a:ext cx="3594735" cy="2687320"/>
+        </p:xfrm>
+        <a:graphic>
+          <a:graphicData uri="http://schemas.openxmlformats.org/drawingml/2006/chart">
+            <c:chart xmlns:c="http://schemas.openxmlformats.org/drawingml/2006/chart" xmlns:r="http://schemas.openxmlformats.org/officeDocument/2006/relationships" r:id="rId2"/>
+          </a:graphicData>
+        </a:graphic>
+      </p:graphicFrame>
+      <p:graphicFrame>
+        <p:nvGraphicFramePr>
+          <p:cNvPr id="12" name="图表 11">
+            <a:extLst>
+              <a:ext uri="{FF2B5EF4-FFF2-40B4-BE49-F238E27FC236}">
+                <a16:creationId xmlns:a16="http://schemas.microsoft.com/office/drawing/2014/main" id="{78D3AE6B-E4C8-4490-8277-3090E23903CD}"/>
+              </a:ext>
+            </a:extLst>
+          </p:cNvPr>
+          <p:cNvGraphicFramePr/>
+          <p:nvPr>
+            <p:extLst>
+              <p:ext uri="{D42A27DB-BD31-4B8C-83A1-F6EECF244321}">
+                <p14:modId xmlns:p14="http://schemas.microsoft.com/office/powerpoint/2010/main" val="2451894213"/>
+              </p:ext>
+            </p:extLst>
+          </p:nvPr>
+        </p:nvGraphicFramePr>
+        <p:xfrm>
+          <a:off x="4485824" y="1693247"/>
+          <a:ext cx="3067050" cy="2268855"/>
+        </p:xfrm>
+        <a:graphic>
+          <a:graphicData uri="http://schemas.openxmlformats.org/drawingml/2006/chart">
+            <c:chart xmlns:c="http://schemas.openxmlformats.org/drawingml/2006/chart" xmlns:r="http://schemas.openxmlformats.org/officeDocument/2006/relationships" r:id="rId3"/>
+          </a:graphicData>
+        </a:graphic>
+      </p:graphicFrame>
     </p:spTree>
     <p:extLst>
       <p:ext uri="{BB962C8B-B14F-4D97-AF65-F5344CB8AC3E}">
